--- a/スライド/スライド_おみくじアプリ.pptx
+++ b/スライド/スライド_おみくじアプリ.pptx
@@ -20175,13 +20175,15 @@
           <a:p>
             <a:r>
               <a:rPr kumimoji="1" lang="ja-JP" altLang="en-US"/>
-              <a:t>ステートパターン</a:t>
-            </a:r>
-            <a:r>
-              <a:rPr lang="ja-JP" altLang="en-US"/>
-              <a:t>ふたたび</a:t>
-            </a:r>
-            <a:endParaRPr kumimoji="1" lang="ja-JP" altLang="en-US"/>
+              <a:t>継承を使って共通部分を</a:t>
+            </a:r>
+            <a:br>
+              <a:rPr kumimoji="1" lang="en-US" altLang="ja-JP" dirty="0"/>
+            </a:br>
+            <a:r>
+              <a:rPr kumimoji="1" lang="ja-JP" altLang="en-US"/>
+              <a:t>親クラスに</a:t>
+            </a:r>
           </a:p>
         </p:txBody>
       </p:sp>
@@ -20219,7 +20221,18 @@
             </a:pPr>
             <a:r>
               <a:rPr lang="ja-JP" altLang="en-US" sz="2400"/>
-              <a:t>ボタンもステートパターン で作る</a:t>
+              <a:t>シーンを作ったときと同様</a:t>
+            </a:r>
+            <a:endParaRPr lang="en-US" altLang="ja-JP" sz="2400" dirty="0"/>
+          </a:p>
+          <a:p>
+            <a:pPr>
+              <a:buFont typeface="Wingdings" pitchFamily="2" charset="2"/>
+              <a:buChar char="l"/>
+            </a:pPr>
+            <a:r>
+              <a:rPr lang="ja-JP" altLang="en-US" sz="2400"/>
+              <a:t>このサンプルの範囲ではボタンは交換しない</a:t>
             </a:r>
             <a:endParaRPr lang="ja-JP" altLang="en-US" sz="2400" dirty="0"/>
           </a:p>
